--- a/Python_Padas_Data analysis/E_ommerce/Ecommerce_Analysis_Report.pptx
+++ b/Python_Padas_Data analysis/E_ommerce/Ecommerce_Analysis_Report.pptx
@@ -17981,6 +17981,13 @@
             <a:schemeClr val="lt1"/>
           </a:fontRef>
         </p:style>
+        <p:txBody>
+          <a:bodyPr/>
+          <a:lstStyle/>
+          <a:p>
+            <a:endParaRPr lang="en-US"/>
+          </a:p>
+        </p:txBody>
       </p:sp>
       <p:sp>
         <p:nvSpPr>
@@ -24422,6 +24429,13 @@
             <a:schemeClr val="lt1"/>
           </a:fontRef>
         </p:style>
+        <p:txBody>
+          <a:bodyPr/>
+          <a:lstStyle/>
+          <a:p>
+            <a:endParaRPr lang="en-US"/>
+          </a:p>
+        </p:txBody>
       </p:sp>
       <p:sp>
         <p:nvSpPr>
@@ -24558,7 +24572,7 @@
           <a:p>
             <a:fld id="{5BCAD085-E8A6-8845-BD4E-CB4CCA059FC4}" type="datetimeFigureOut">
               <a:rPr lang="en-US" smtClean="0"/>
-              <a:t>12/3/2025</a:t>
+              <a:t>2/4/2026</a:t>
             </a:fld>
             <a:endParaRPr lang="en-US"/>
           </a:p>
@@ -24765,7 +24779,7 @@
           <a:p>
             <a:fld id="{5BCAD085-E8A6-8845-BD4E-CB4CCA059FC4}" type="datetimeFigureOut">
               <a:rPr lang="en-US" smtClean="0"/>
-              <a:t>12/3/2025</a:t>
+              <a:t>2/4/2026</a:t>
             </a:fld>
             <a:endParaRPr lang="en-US"/>
           </a:p>
@@ -24945,7 +24959,7 @@
           <a:p>
             <a:fld id="{5BCAD085-E8A6-8845-BD4E-CB4CCA059FC4}" type="datetimeFigureOut">
               <a:rPr lang="en-US" smtClean="0"/>
-              <a:t>12/3/2025</a:t>
+              <a:t>2/4/2026</a:t>
             </a:fld>
             <a:endParaRPr lang="en-US"/>
           </a:p>
@@ -25150,7 +25164,7 @@
           <a:p>
             <a:fld id="{5BCAD085-E8A6-8845-BD4E-CB4CCA059FC4}" type="datetimeFigureOut">
               <a:rPr lang="en-US" smtClean="0"/>
-              <a:t>12/3/2025</a:t>
+              <a:t>2/4/2026</a:t>
             </a:fld>
             <a:endParaRPr lang="en-US"/>
           </a:p>
@@ -31888,7 +31902,7 @@
           <a:p>
             <a:fld id="{5BCAD085-E8A6-8845-BD4E-CB4CCA059FC4}" type="datetimeFigureOut">
               <a:rPr lang="en-US" smtClean="0"/>
-              <a:t>12/3/2025</a:t>
+              <a:t>2/4/2026</a:t>
             </a:fld>
             <a:endParaRPr lang="en-US"/>
           </a:p>
@@ -32162,7 +32176,7 @@
           <a:p>
             <a:fld id="{5BCAD085-E8A6-8845-BD4E-CB4CCA059FC4}" type="datetimeFigureOut">
               <a:rPr lang="en-US" smtClean="0"/>
-              <a:t>12/3/2025</a:t>
+              <a:t>2/4/2026</a:t>
             </a:fld>
             <a:endParaRPr lang="en-US"/>
           </a:p>
@@ -32565,7 +32579,7 @@
           <a:p>
             <a:fld id="{5BCAD085-E8A6-8845-BD4E-CB4CCA059FC4}" type="datetimeFigureOut">
               <a:rPr lang="en-US" smtClean="0"/>
-              <a:t>12/3/2025</a:t>
+              <a:t>2/4/2026</a:t>
             </a:fld>
             <a:endParaRPr lang="en-US"/>
           </a:p>
@@ -32683,7 +32697,7 @@
           <a:p>
             <a:fld id="{5BCAD085-E8A6-8845-BD4E-CB4CCA059FC4}" type="datetimeFigureOut">
               <a:rPr lang="en-US" smtClean="0"/>
-              <a:t>12/3/2025</a:t>
+              <a:t>2/4/2026</a:t>
             </a:fld>
             <a:endParaRPr lang="en-US"/>
           </a:p>
@@ -32778,7 +32792,7 @@
           <a:p>
             <a:fld id="{5BCAD085-E8A6-8845-BD4E-CB4CCA059FC4}" type="datetimeFigureOut">
               <a:rPr lang="en-US" smtClean="0"/>
-              <a:t>12/3/2025</a:t>
+              <a:t>2/4/2026</a:t>
             </a:fld>
             <a:endParaRPr lang="en-US"/>
           </a:p>
@@ -33070,7 +33084,7 @@
           <a:p>
             <a:fld id="{5BCAD085-E8A6-8845-BD4E-CB4CCA059FC4}" type="datetimeFigureOut">
               <a:rPr lang="en-US" smtClean="0"/>
-              <a:t>12/3/2025</a:t>
+              <a:t>2/4/2026</a:t>
             </a:fld>
             <a:endParaRPr lang="en-US"/>
           </a:p>
@@ -33350,7 +33364,7 @@
           <a:p>
             <a:fld id="{5BCAD085-E8A6-8845-BD4E-CB4CCA059FC4}" type="datetimeFigureOut">
               <a:rPr lang="en-US" smtClean="0"/>
-              <a:t>12/3/2025</a:t>
+              <a:t>2/4/2026</a:t>
             </a:fld>
             <a:endParaRPr lang="en-US"/>
           </a:p>
@@ -33600,7 +33614,7 @@
           <a:p>
             <a:fld id="{5BCAD085-E8A6-8845-BD4E-CB4CCA059FC4}" type="datetimeFigureOut">
               <a:rPr lang="en-US" smtClean="0"/>
-              <a:t>12/3/2025</a:t>
+              <a:t>2/4/2026</a:t>
             </a:fld>
             <a:endParaRPr lang="en-US"/>
           </a:p>
@@ -43536,7 +43550,7 @@
         <p:spPr>
           <a:xfrm>
             <a:off x="3534918" y="4297556"/>
-            <a:ext cx="4765476" cy="1433391"/>
+            <a:ext cx="4765476" cy="560249"/>
           </a:xfrm>
         </p:spPr>
         <p:txBody>
@@ -43546,22 +43560,12 @@
           <a:lstStyle/>
           <a:p>
             <a:r>
-              <a:rPr lang="en-GB">
+              <a:rPr lang="en-GB" dirty="0">
                 <a:solidFill>
                   <a:srgbClr val="FFFFFF"/>
                 </a:solidFill>
               </a:rPr>
               <a:t>Full Project Report</a:t>
-            </a:r>
-          </a:p>
-          <a:p>
-            <a:r>
-              <a:rPr lang="en-GB">
-                <a:solidFill>
-                  <a:srgbClr val="FFFFFF"/>
-                </a:solidFill>
-              </a:rPr>
-              <a:t>Generated by ChatGPT</a:t>
             </a:r>
           </a:p>
         </p:txBody>
